--- a/Final Task_IDX Partners_Data Scientist_Disya Nurul Ariza.pptx
+++ b/Final Task_IDX Partners_Data Scientist_Disya Nurul Ariza.pptx
@@ -7848,7 +7848,7 @@
 </file>
 
 <file path=ppt/slides/slide1.xml><?xml version="1.0" encoding="utf-8"?>
-<p:sld xmlns:p="http://schemas.openxmlformats.org/presentationml/2006/main" xmlns:a="http://schemas.openxmlformats.org/drawingml/2006/main" xmlns:r="http://schemas.openxmlformats.org/officeDocument/2006/relationships">
+<p:sld xmlns:a="http://schemas.openxmlformats.org/drawingml/2006/main" xmlns:r="http://schemas.openxmlformats.org/officeDocument/2006/relationships" xmlns:p="http://schemas.openxmlformats.org/presentationml/2006/main">
   <p:cSld>
     <p:bg>
       <p:bgPr>
@@ -7946,7 +7946,7 @@
             <a:noFill/>
           </a:ln>
           <a:effectLst>
-            <a:outerShdw algn="bl" blurRad="57150" dir="5400000" dist="19050" rotWithShape="0">
+            <a:outerShdw blurRad="57150" dist="19050" dir="5400000" algn="bl" rotWithShape="0">
               <a:srgbClr val="000000">
                 <a:alpha val="50000"/>
               </a:srgbClr>
@@ -7954,12 +7954,12 @@
           </a:effectLst>
         </p:spPr>
         <p:txBody>
-          <a:bodyPr anchor="t" anchorCtr="0" bIns="91425" lIns="91425" rIns="91425" spcFirstLastPara="1" tIns="91425" wrap="square">
+          <a:bodyPr spcFirstLastPara="1" wrap="square" lIns="91425" tIns="91425" rIns="91425" bIns="91425" anchor="t" anchorCtr="0">
             <a:spAutoFit/>
           </a:bodyPr>
           <a:lstStyle/>
           <a:p>
-            <a:pPr algn="l" indent="0" lvl="0" marL="0" rtl="0">
+            <a:pPr marL="0" lvl="0" indent="0" algn="l" rtl="0">
               <a:spcBef>
                 <a:spcPts val="0"/>
               </a:spcBef>
@@ -7969,7 +7969,7 @@
               <a:buNone/>
             </a:pPr>
             <a:r>
-              <a:rPr b="1" lang="en" sz="4500">
+              <a:rPr lang="en" sz="4500" b="1">
                 <a:solidFill>
                   <a:schemeClr val="lt1"/>
                 </a:solidFill>
@@ -8011,7 +8011,7 @@
             <a:noFill/>
           </a:ln>
           <a:effectLst>
-            <a:outerShdw algn="bl" blurRad="57150" dir="5400000" dist="19050" rotWithShape="0">
+            <a:outerShdw blurRad="57150" dist="19050" dir="5400000" algn="bl" rotWithShape="0">
               <a:srgbClr val="000000">
                 <a:alpha val="50000"/>
               </a:srgbClr>
@@ -8019,12 +8019,12 @@
           </a:effectLst>
         </p:spPr>
         <p:txBody>
-          <a:bodyPr anchor="t" anchorCtr="0" bIns="91425" lIns="91425" rIns="91425" spcFirstLastPara="1" tIns="91425" wrap="square">
+          <a:bodyPr spcFirstLastPara="1" wrap="square" lIns="91425" tIns="91425" rIns="91425" bIns="91425" anchor="t" anchorCtr="0">
             <a:spAutoFit/>
           </a:bodyPr>
           <a:lstStyle/>
           <a:p>
-            <a:pPr algn="l" indent="0" lvl="0" marL="0" rtl="0">
+            <a:pPr marL="0" lvl="0" indent="0" algn="l" rtl="0">
               <a:spcBef>
                 <a:spcPts val="0"/>
               </a:spcBef>
@@ -8079,12 +8079,12 @@
           </a:ln>
         </p:spPr>
         <p:txBody>
-          <a:bodyPr anchor="ctr" anchorCtr="0" bIns="91425" lIns="91425" rIns="91425" spcFirstLastPara="1" tIns="91425" wrap="square">
+          <a:bodyPr spcFirstLastPara="1" wrap="square" lIns="91425" tIns="91425" rIns="91425" bIns="91425" anchor="ctr" anchorCtr="0">
             <a:noAutofit/>
           </a:bodyPr>
           <a:lstStyle/>
           <a:p>
-            <a:pPr algn="l" indent="0" lvl="0" marL="0" rtl="0">
+            <a:pPr marL="0" lvl="0" indent="0" algn="l" rtl="0">
               <a:spcBef>
                 <a:spcPts val="0"/>
               </a:spcBef>
@@ -8117,12 +8117,12 @@
           </a:ln>
         </p:spPr>
         <p:txBody>
-          <a:bodyPr anchor="t" anchorCtr="0" bIns="91425" lIns="91425" rIns="91425" spcFirstLastPara="1" tIns="91425" wrap="square">
+          <a:bodyPr spcFirstLastPara="1" wrap="square" lIns="91425" tIns="91425" rIns="91425" bIns="91425" anchor="t" anchorCtr="0">
             <a:spAutoFit/>
           </a:bodyPr>
           <a:lstStyle/>
           <a:p>
-            <a:pPr algn="l" indent="0" lvl="0" marL="0" rtl="0">
+            <a:pPr marL="0" lvl="0" indent="0" algn="l" rtl="0">
               <a:spcBef>
                 <a:spcPts val="0"/>
               </a:spcBef>
@@ -8174,7 +8174,7 @@
             <a:noFill/>
           </a:ln>
           <a:effectLst>
-            <a:outerShdw algn="bl" blurRad="57150" dir="5400000" dist="19050" rotWithShape="0">
+            <a:outerShdw blurRad="57150" dist="19050" dir="5400000" algn="bl" rotWithShape="0">
               <a:srgbClr val="000000">
                 <a:alpha val="50000"/>
               </a:srgbClr>
@@ -8182,12 +8182,12 @@
           </a:effectLst>
         </p:spPr>
         <p:txBody>
-          <a:bodyPr anchor="t" anchorCtr="0" bIns="91425" lIns="91425" rIns="91425" spcFirstLastPara="1" tIns="91425" wrap="square">
+          <a:bodyPr spcFirstLastPara="1" wrap="square" lIns="91425" tIns="91425" rIns="91425" bIns="91425" anchor="t" anchorCtr="0">
             <a:spAutoFit/>
           </a:bodyPr>
           <a:lstStyle/>
           <a:p>
-            <a:pPr algn="l" indent="0" lvl="0" marL="0" rtl="0">
+            <a:pPr marL="0" lvl="0" indent="0" algn="l" rtl="0">
               <a:spcBef>
                 <a:spcPts val="0"/>
               </a:spcBef>
@@ -8197,7 +8197,7 @@
               <a:buNone/>
             </a:pPr>
             <a:r>
-              <a:rPr dirty="0" lang="en" sz="2000">
+              <a:rPr lang="en" sz="2000" dirty="0">
                 <a:solidFill>
                   <a:schemeClr val="lt1"/>
                 </a:solidFill>
@@ -8208,7 +8208,7 @@
               </a:rPr>
               <a:t>Presented by</a:t>
             </a:r>
-            <a:endParaRPr dirty="0" sz="2000">
+            <a:endParaRPr sz="2000" dirty="0">
               <a:solidFill>
                 <a:schemeClr val="lt1"/>
               </a:solidFill>
@@ -8219,7 +8219,7 @@
             </a:endParaRPr>
           </a:p>
           <a:p>
-            <a:pPr algn="l" indent="0" lvl="0" marL="0" rtl="0">
+            <a:pPr marL="0" lvl="0" indent="0" algn="l" rtl="0">
               <a:spcBef>
                 <a:spcPts val="0"/>
               </a:spcBef>
@@ -8229,7 +8229,7 @@
               <a:buNone/>
             </a:pPr>
             <a:r>
-              <a:rPr dirty="0" lang="en" sz="2000">
+              <a:rPr lang="en" sz="2000" dirty="0">
                 <a:solidFill>
                   <a:schemeClr val="lt1"/>
                 </a:solidFill>
@@ -8240,7 +8240,7 @@
               </a:rPr>
               <a:t>DISYA NURUL ARIZA</a:t>
             </a:r>
-            <a:endParaRPr dirty="0" sz="2000">
+            <a:endParaRPr sz="2000" dirty="0">
               <a:solidFill>
                 <a:schemeClr val="lt1"/>
               </a:solidFill>
@@ -8262,7 +8262,7 @@
           <a:blip r:embed="rId5">
             <a:alphaModFix/>
           </a:blip>
-          <a:srcRect b="482" t="482"/>
+          <a:srcRect t="2079" b="2079"/>
           <a:stretch/>
         </p:blipFill>
         <p:spPr>
@@ -20654,7 +20654,7 @@
 </file>
 
 <file path=ppt/slides/slide21.xml><?xml version="1.0" encoding="utf-8"?>
-<p:sld xmlns:p="http://schemas.openxmlformats.org/presentationml/2006/main" xmlns:a="http://schemas.openxmlformats.org/drawingml/2006/main" xmlns:r="http://schemas.openxmlformats.org/officeDocument/2006/relationships">
+<p:sld xmlns:a="http://schemas.openxmlformats.org/drawingml/2006/main" xmlns:r="http://schemas.openxmlformats.org/officeDocument/2006/relationships" xmlns:p="http://schemas.openxmlformats.org/presentationml/2006/main">
   <p:cSld>
     <p:bg>
       <p:bgPr>
@@ -20752,7 +20752,7 @@
             <a:noFill/>
           </a:ln>
           <a:effectLst>
-            <a:outerShdw algn="bl" blurRad="57150" dir="5400000" dist="19050" rotWithShape="0">
+            <a:outerShdw blurRad="57150" dist="19050" dir="5400000" algn="bl" rotWithShape="0">
               <a:srgbClr val="000000">
                 <a:alpha val="50000"/>
               </a:srgbClr>
@@ -20760,12 +20760,12 @@
           </a:effectLst>
         </p:spPr>
         <p:txBody>
-          <a:bodyPr anchor="t" anchorCtr="0" bIns="91425" lIns="91425" rIns="91425" spcFirstLastPara="1" tIns="91425" wrap="square">
+          <a:bodyPr spcFirstLastPara="1" wrap="square" lIns="91425" tIns="91425" rIns="91425" bIns="91425" anchor="t" anchorCtr="0">
             <a:spAutoFit/>
           </a:bodyPr>
           <a:lstStyle/>
           <a:p>
-            <a:pPr algn="ctr" indent="0" lvl="0" marL="0" rtl="0">
+            <a:pPr marL="0" lvl="0" indent="0" algn="ctr" rtl="0">
               <a:spcBef>
                 <a:spcPts val="0"/>
               </a:spcBef>
@@ -20775,7 +20775,7 @@
               <a:buNone/>
             </a:pPr>
             <a:r>
-              <a:rPr b="1" lang="en" sz="4500">
+              <a:rPr lang="en" sz="4500" b="1">
                 <a:solidFill>
                   <a:schemeClr val="lt1"/>
                 </a:solidFill>
@@ -20818,12 +20818,12 @@
           </a:ln>
         </p:spPr>
         <p:txBody>
-          <a:bodyPr anchor="t" anchorCtr="0" bIns="91425" lIns="91425" rIns="91425" spcFirstLastPara="1" tIns="91425" wrap="square">
+          <a:bodyPr spcFirstLastPara="1" wrap="square" lIns="91425" tIns="91425" rIns="91425" bIns="91425" anchor="t" anchorCtr="0">
             <a:spAutoFit/>
           </a:bodyPr>
           <a:lstStyle/>
           <a:p>
-            <a:pPr algn="l" indent="0" lvl="0" marL="0" rtl="0">
+            <a:pPr marL="0" lvl="0" indent="0" algn="l" rtl="0">
               <a:spcBef>
                 <a:spcPts val="0"/>
               </a:spcBef>
@@ -20872,7 +20872,7 @@
           <a:blip r:embed="rId5">
             <a:alphaModFix/>
           </a:blip>
-          <a:srcRect b="482" t="482"/>
+          <a:srcRect t="2079" b="2079"/>
           <a:stretch/>
         </p:blipFill>
         <p:spPr>
